--- a/Pristatymas.pptx
+++ b/Pristatymas.pptx
@@ -110,6 +110,11 @@
       </a:defRPr>
     </a:lvl9pPr>
   </p:defaultTextStyle>
+  <p:extLst>
+    <p:ext uri="{EFAFB233-063F-42B5-8137-9DF3F51BA10A}">
+      <p15:sldGuideLst xmlns:p15="http://schemas.microsoft.com/office/powerpoint/2012/main"/>
+    </p:ext>
+  </p:extLst>
 </p:presentation>
 </file>
 
@@ -282,7 +287,7 @@
           <a:p>
             <a:fld id="{1831D992-056E-4E26-8BD5-C03F2D2DE219}" type="datetimeFigureOut">
               <a:rPr lang="en-US" smtClean="0"/>
-              <a:t>12/09/2020</a:t>
+              <a:t>2020-12-09</a:t>
             </a:fld>
             <a:endParaRPr lang="en-US"/>
           </a:p>
@@ -612,7 +617,7 @@
           <a:p>
             <a:fld id="{1831D992-056E-4E26-8BD5-C03F2D2DE219}" type="datetimeFigureOut">
               <a:rPr lang="en-US" smtClean="0"/>
-              <a:t>12/09/2020</a:t>
+              <a:t>2020-12-09</a:t>
             </a:fld>
             <a:endParaRPr lang="en-US"/>
           </a:p>
@@ -792,7 +797,7 @@
           <a:p>
             <a:fld id="{1831D992-056E-4E26-8BD5-C03F2D2DE219}" type="datetimeFigureOut">
               <a:rPr lang="en-US" smtClean="0"/>
-              <a:t>12/09/2020</a:t>
+              <a:t>2020-12-09</a:t>
             </a:fld>
             <a:endParaRPr lang="en-US"/>
           </a:p>
@@ -962,7 +967,7 @@
           <a:p>
             <a:fld id="{1831D992-056E-4E26-8BD5-C03F2D2DE219}" type="datetimeFigureOut">
               <a:rPr lang="en-US" smtClean="0"/>
-              <a:t>12/09/2020</a:t>
+              <a:t>2020-12-09</a:t>
             </a:fld>
             <a:endParaRPr lang="en-US"/>
           </a:p>
@@ -1239,7 +1244,7 @@
           <a:p>
             <a:fld id="{1831D992-056E-4E26-8BD5-C03F2D2DE219}" type="datetimeFigureOut">
               <a:rPr lang="en-US" smtClean="0"/>
-              <a:t>12/09/2020</a:t>
+              <a:t>2020-12-09</a:t>
             </a:fld>
             <a:endParaRPr lang="en-US"/>
           </a:p>
@@ -1633,7 +1638,7 @@
           <a:p>
             <a:fld id="{1831D992-056E-4E26-8BD5-C03F2D2DE219}" type="datetimeFigureOut">
               <a:rPr lang="en-US" smtClean="0"/>
-              <a:t>12/09/2020</a:t>
+              <a:t>2020-12-09</a:t>
             </a:fld>
             <a:endParaRPr lang="en-US"/>
           </a:p>
@@ -2110,7 +2115,7 @@
           <a:p>
             <a:fld id="{1831D992-056E-4E26-8BD5-C03F2D2DE219}" type="datetimeFigureOut">
               <a:rPr lang="en-US" smtClean="0"/>
-              <a:t>12/09/2020</a:t>
+              <a:t>2020-12-09</a:t>
             </a:fld>
             <a:endParaRPr lang="en-US"/>
           </a:p>
@@ -2228,7 +2233,7 @@
           <a:p>
             <a:fld id="{1831D992-056E-4E26-8BD5-C03F2D2DE219}" type="datetimeFigureOut">
               <a:rPr lang="en-US" smtClean="0"/>
-              <a:t>12/09/2020</a:t>
+              <a:t>2020-12-09</a:t>
             </a:fld>
             <a:endParaRPr lang="en-US"/>
           </a:p>
@@ -2323,7 +2328,7 @@
           <a:p>
             <a:fld id="{1831D992-056E-4E26-8BD5-C03F2D2DE219}" type="datetimeFigureOut">
               <a:rPr lang="en-US" smtClean="0"/>
-              <a:t>12/09/2020</a:t>
+              <a:t>2020-12-09</a:t>
             </a:fld>
             <a:endParaRPr lang="en-US"/>
           </a:p>
@@ -2669,7 +2674,7 @@
           <a:p>
             <a:fld id="{1831D992-056E-4E26-8BD5-C03F2D2DE219}" type="datetimeFigureOut">
               <a:rPr lang="en-US" smtClean="0"/>
-              <a:t>12/09/2020</a:t>
+              <a:t>2020-12-09</a:t>
             </a:fld>
             <a:endParaRPr lang="en-US"/>
           </a:p>
@@ -3057,7 +3062,7 @@
           <a:p>
             <a:fld id="{1831D992-056E-4E26-8BD5-C03F2D2DE219}" type="datetimeFigureOut">
               <a:rPr lang="en-US" smtClean="0"/>
-              <a:t>12/09/2020</a:t>
+              <a:t>2020-12-09</a:t>
             </a:fld>
             <a:endParaRPr lang="en-US"/>
           </a:p>
@@ -3335,7 +3340,7 @@
           <a:p>
             <a:fld id="{1831D992-056E-4E26-8BD5-C03F2D2DE219}" type="datetimeFigureOut">
               <a:rPr lang="en-US" smtClean="0"/>
-              <a:t>12/09/2020</a:t>
+              <a:t>2020-12-09</a:t>
             </a:fld>
             <a:endParaRPr lang="en-US"/>
           </a:p>
@@ -4351,14 +4356,18 @@
           </a:xfrm>
         </p:spPr>
         <p:txBody>
-          <a:bodyPr/>
+          <a:bodyPr>
+            <a:normAutofit/>
+          </a:bodyPr>
           <a:lstStyle/>
           <a:p>
-            <a:r>
-              <a:rPr lang="lt-LT" dirty="0"/>
-              <a:t>&lt;algoritmo paaiškinimas&gt;</a:t>
-            </a:r>
-            <a:endParaRPr lang="en-US" dirty="0"/>
+            <a:pPr marL="0" indent="0" algn="just">
+              <a:buNone/>
+            </a:pPr>
+            <a:r>
+              <a:rPr lang="lt-LT" sz="2800" dirty="0"/>
+              <a:t>Robotas važiuoja tiesiai link tikslo taško. Jei pakeliui yra aptinkama kliūtis, jis suka į kairę, apvažiuoja kliūtį ir važiuoja toliau tiesiai link tikslo. Tai yra kartojama tol, kol yra pasiekiamas pabaigos taškas.</a:t>
+            </a:r>
           </a:p>
         </p:txBody>
       </p:sp>

--- a/Pristatymas.pptx
+++ b/Pristatymas.pptx
@@ -287,7 +287,7 @@
           <a:p>
             <a:fld id="{1831D992-056E-4E26-8BD5-C03F2D2DE219}" type="datetimeFigureOut">
               <a:rPr lang="en-US" smtClean="0"/>
-              <a:t>2020-12-09</a:t>
+              <a:t>12/09/2020</a:t>
             </a:fld>
             <a:endParaRPr lang="en-US"/>
           </a:p>
@@ -617,7 +617,7 @@
           <a:p>
             <a:fld id="{1831D992-056E-4E26-8BD5-C03F2D2DE219}" type="datetimeFigureOut">
               <a:rPr lang="en-US" smtClean="0"/>
-              <a:t>2020-12-09</a:t>
+              <a:t>12/09/2020</a:t>
             </a:fld>
             <a:endParaRPr lang="en-US"/>
           </a:p>
@@ -797,7 +797,7 @@
           <a:p>
             <a:fld id="{1831D992-056E-4E26-8BD5-C03F2D2DE219}" type="datetimeFigureOut">
               <a:rPr lang="en-US" smtClean="0"/>
-              <a:t>2020-12-09</a:t>
+              <a:t>12/09/2020</a:t>
             </a:fld>
             <a:endParaRPr lang="en-US"/>
           </a:p>
@@ -967,7 +967,7 @@
           <a:p>
             <a:fld id="{1831D992-056E-4E26-8BD5-C03F2D2DE219}" type="datetimeFigureOut">
               <a:rPr lang="en-US" smtClean="0"/>
-              <a:t>2020-12-09</a:t>
+              <a:t>12/09/2020</a:t>
             </a:fld>
             <a:endParaRPr lang="en-US"/>
           </a:p>
@@ -1244,7 +1244,7 @@
           <a:p>
             <a:fld id="{1831D992-056E-4E26-8BD5-C03F2D2DE219}" type="datetimeFigureOut">
               <a:rPr lang="en-US" smtClean="0"/>
-              <a:t>2020-12-09</a:t>
+              <a:t>12/09/2020</a:t>
             </a:fld>
             <a:endParaRPr lang="en-US"/>
           </a:p>
@@ -1638,7 +1638,7 @@
           <a:p>
             <a:fld id="{1831D992-056E-4E26-8BD5-C03F2D2DE219}" type="datetimeFigureOut">
               <a:rPr lang="en-US" smtClean="0"/>
-              <a:t>2020-12-09</a:t>
+              <a:t>12/09/2020</a:t>
             </a:fld>
             <a:endParaRPr lang="en-US"/>
           </a:p>
@@ -2115,7 +2115,7 @@
           <a:p>
             <a:fld id="{1831D992-056E-4E26-8BD5-C03F2D2DE219}" type="datetimeFigureOut">
               <a:rPr lang="en-US" smtClean="0"/>
-              <a:t>2020-12-09</a:t>
+              <a:t>12/09/2020</a:t>
             </a:fld>
             <a:endParaRPr lang="en-US"/>
           </a:p>
@@ -2233,7 +2233,7 @@
           <a:p>
             <a:fld id="{1831D992-056E-4E26-8BD5-C03F2D2DE219}" type="datetimeFigureOut">
               <a:rPr lang="en-US" smtClean="0"/>
-              <a:t>2020-12-09</a:t>
+              <a:t>12/09/2020</a:t>
             </a:fld>
             <a:endParaRPr lang="en-US"/>
           </a:p>
@@ -2328,7 +2328,7 @@
           <a:p>
             <a:fld id="{1831D992-056E-4E26-8BD5-C03F2D2DE219}" type="datetimeFigureOut">
               <a:rPr lang="en-US" smtClean="0"/>
-              <a:t>2020-12-09</a:t>
+              <a:t>12/09/2020</a:t>
             </a:fld>
             <a:endParaRPr lang="en-US"/>
           </a:p>
@@ -2674,7 +2674,7 @@
           <a:p>
             <a:fld id="{1831D992-056E-4E26-8BD5-C03F2D2DE219}" type="datetimeFigureOut">
               <a:rPr lang="en-US" smtClean="0"/>
-              <a:t>2020-12-09</a:t>
+              <a:t>12/09/2020</a:t>
             </a:fld>
             <a:endParaRPr lang="en-US"/>
           </a:p>
@@ -3062,7 +3062,7 @@
           <a:p>
             <a:fld id="{1831D992-056E-4E26-8BD5-C03F2D2DE219}" type="datetimeFigureOut">
               <a:rPr lang="en-US" smtClean="0"/>
-              <a:t>2020-12-09</a:t>
+              <a:t>12/09/2020</a:t>
             </a:fld>
             <a:endParaRPr lang="en-US"/>
           </a:p>
@@ -3340,7 +3340,7 @@
           <a:p>
             <a:fld id="{1831D992-056E-4E26-8BD5-C03F2D2DE219}" type="datetimeFigureOut">
               <a:rPr lang="en-US" smtClean="0"/>
-              <a:t>2020-12-09</a:t>
+              <a:t>12/09/2020</a:t>
             </a:fld>
             <a:endParaRPr lang="en-US"/>
           </a:p>
@@ -4401,6 +4401,58 @@
           </a:prstGeom>
         </p:spPr>
       </p:pic>
+      <p:sp>
+        <p:nvSpPr>
+          <p:cNvPr id="6" name="Oval 5">
+            <a:extLst>
+              <a:ext uri="{FF2B5EF4-FFF2-40B4-BE49-F238E27FC236}">
+                <a16:creationId xmlns:a16="http://schemas.microsoft.com/office/drawing/2014/main" id="{B093F24E-8BC1-4D9F-950E-CC7D54CE682C}"/>
+              </a:ext>
+            </a:extLst>
+          </p:cNvPr>
+          <p:cNvSpPr/>
+          <p:nvPr/>
+        </p:nvSpPr>
+        <p:spPr>
+          <a:xfrm>
+            <a:off x="9130282" y="1648414"/>
+            <a:ext cx="159492" cy="167134"/>
+          </a:xfrm>
+          <a:prstGeom prst="ellipse">
+            <a:avLst/>
+          </a:prstGeom>
+          <a:noFill/>
+          <a:ln>
+            <a:solidFill>
+              <a:srgbClr val="FF0000"/>
+            </a:solidFill>
+          </a:ln>
+        </p:spPr>
+        <p:style>
+          <a:lnRef idx="2">
+            <a:schemeClr val="accent1">
+              <a:shade val="50000"/>
+            </a:schemeClr>
+          </a:lnRef>
+          <a:fillRef idx="1">
+            <a:schemeClr val="accent1"/>
+          </a:fillRef>
+          <a:effectRef idx="0">
+            <a:schemeClr val="accent1"/>
+          </a:effectRef>
+          <a:fontRef idx="minor">
+            <a:schemeClr val="lt1"/>
+          </a:fontRef>
+        </p:style>
+        <p:txBody>
+          <a:bodyPr rtlCol="0" anchor="ctr"/>
+          <a:lstStyle/>
+          <a:p>
+            <a:pPr algn="ctr"/>
+            <a:endParaRPr lang="en-US"/>
+          </a:p>
+        </p:txBody>
+      </p:sp>
     </p:spTree>
     <p:extLst>
       <p:ext uri="{BB962C8B-B14F-4D97-AF65-F5344CB8AC3E}">

--- a/Pristatymas.pptx
+++ b/Pristatymas.pptx
@@ -287,7 +287,7 @@
           <a:p>
             <a:fld id="{1831D992-056E-4E26-8BD5-C03F2D2DE219}" type="datetimeFigureOut">
               <a:rPr lang="en-US" smtClean="0"/>
-              <a:t>12/09/2020</a:t>
+              <a:t>2020-12-10</a:t>
             </a:fld>
             <a:endParaRPr lang="en-US"/>
           </a:p>
@@ -617,7 +617,7 @@
           <a:p>
             <a:fld id="{1831D992-056E-4E26-8BD5-C03F2D2DE219}" type="datetimeFigureOut">
               <a:rPr lang="en-US" smtClean="0"/>
-              <a:t>12/09/2020</a:t>
+              <a:t>2020-12-10</a:t>
             </a:fld>
             <a:endParaRPr lang="en-US"/>
           </a:p>
@@ -797,7 +797,7 @@
           <a:p>
             <a:fld id="{1831D992-056E-4E26-8BD5-C03F2D2DE219}" type="datetimeFigureOut">
               <a:rPr lang="en-US" smtClean="0"/>
-              <a:t>12/09/2020</a:t>
+              <a:t>2020-12-10</a:t>
             </a:fld>
             <a:endParaRPr lang="en-US"/>
           </a:p>
@@ -967,7 +967,7 @@
           <a:p>
             <a:fld id="{1831D992-056E-4E26-8BD5-C03F2D2DE219}" type="datetimeFigureOut">
               <a:rPr lang="en-US" smtClean="0"/>
-              <a:t>12/09/2020</a:t>
+              <a:t>2020-12-10</a:t>
             </a:fld>
             <a:endParaRPr lang="en-US"/>
           </a:p>
@@ -1244,7 +1244,7 @@
           <a:p>
             <a:fld id="{1831D992-056E-4E26-8BD5-C03F2D2DE219}" type="datetimeFigureOut">
               <a:rPr lang="en-US" smtClean="0"/>
-              <a:t>12/09/2020</a:t>
+              <a:t>2020-12-10</a:t>
             </a:fld>
             <a:endParaRPr lang="en-US"/>
           </a:p>
@@ -1638,7 +1638,7 @@
           <a:p>
             <a:fld id="{1831D992-056E-4E26-8BD5-C03F2D2DE219}" type="datetimeFigureOut">
               <a:rPr lang="en-US" smtClean="0"/>
-              <a:t>12/09/2020</a:t>
+              <a:t>2020-12-10</a:t>
             </a:fld>
             <a:endParaRPr lang="en-US"/>
           </a:p>
@@ -2115,7 +2115,7 @@
           <a:p>
             <a:fld id="{1831D992-056E-4E26-8BD5-C03F2D2DE219}" type="datetimeFigureOut">
               <a:rPr lang="en-US" smtClean="0"/>
-              <a:t>12/09/2020</a:t>
+              <a:t>2020-12-10</a:t>
             </a:fld>
             <a:endParaRPr lang="en-US"/>
           </a:p>
@@ -2233,7 +2233,7 @@
           <a:p>
             <a:fld id="{1831D992-056E-4E26-8BD5-C03F2D2DE219}" type="datetimeFigureOut">
               <a:rPr lang="en-US" smtClean="0"/>
-              <a:t>12/09/2020</a:t>
+              <a:t>2020-12-10</a:t>
             </a:fld>
             <a:endParaRPr lang="en-US"/>
           </a:p>
@@ -2328,7 +2328,7 @@
           <a:p>
             <a:fld id="{1831D992-056E-4E26-8BD5-C03F2D2DE219}" type="datetimeFigureOut">
               <a:rPr lang="en-US" smtClean="0"/>
-              <a:t>12/09/2020</a:t>
+              <a:t>2020-12-10</a:t>
             </a:fld>
             <a:endParaRPr lang="en-US"/>
           </a:p>
@@ -2674,7 +2674,7 @@
           <a:p>
             <a:fld id="{1831D992-056E-4E26-8BD5-C03F2D2DE219}" type="datetimeFigureOut">
               <a:rPr lang="en-US" smtClean="0"/>
-              <a:t>12/09/2020</a:t>
+              <a:t>2020-12-10</a:t>
             </a:fld>
             <a:endParaRPr lang="en-US"/>
           </a:p>
@@ -3062,7 +3062,7 @@
           <a:p>
             <a:fld id="{1831D992-056E-4E26-8BD5-C03F2D2DE219}" type="datetimeFigureOut">
               <a:rPr lang="en-US" smtClean="0"/>
-              <a:t>12/09/2020</a:t>
+              <a:t>2020-12-10</a:t>
             </a:fld>
             <a:endParaRPr lang="en-US"/>
           </a:p>
@@ -3340,7 +3340,7 @@
           <a:p>
             <a:fld id="{1831D992-056E-4E26-8BD5-C03F2D2DE219}" type="datetimeFigureOut">
               <a:rPr lang="en-US" smtClean="0"/>
-              <a:t>12/09/2020</a:t>
+              <a:t>2020-12-10</a:t>
             </a:fld>
             <a:endParaRPr lang="en-US"/>
           </a:p>
@@ -4386,73 +4386,26 @@
           <p:nvPr/>
         </p:nvPicPr>
         <p:blipFill>
-          <a:blip r:embed="rId2"/>
-          <a:stretch>
-            <a:fillRect/>
-          </a:stretch>
+          <a:blip r:embed="rId2">
+            <a:extLst>
+              <a:ext uri="{28A0092B-C50C-407E-A947-70E740481C1C}">
+                <a14:useLocalDpi xmlns:a14="http://schemas.microsoft.com/office/drawing/2010/main" val="0"/>
+              </a:ext>
+            </a:extLst>
+          </a:blip>
+          <a:srcRect/>
+          <a:stretch/>
         </p:blipFill>
         <p:spPr>
           <a:xfrm>
-            <a:off x="6725654" y="1564759"/>
-            <a:ext cx="5154278" cy="4915750"/>
+            <a:off x="8285552" y="562740"/>
+            <a:ext cx="3454450" cy="5732519"/>
           </a:xfrm>
           <a:prstGeom prst="rect">
             <a:avLst/>
           </a:prstGeom>
         </p:spPr>
       </p:pic>
-      <p:sp>
-        <p:nvSpPr>
-          <p:cNvPr id="6" name="Oval 5">
-            <a:extLst>
-              <a:ext uri="{FF2B5EF4-FFF2-40B4-BE49-F238E27FC236}">
-                <a16:creationId xmlns:a16="http://schemas.microsoft.com/office/drawing/2014/main" id="{B093F24E-8BC1-4D9F-950E-CC7D54CE682C}"/>
-              </a:ext>
-            </a:extLst>
-          </p:cNvPr>
-          <p:cNvSpPr/>
-          <p:nvPr/>
-        </p:nvSpPr>
-        <p:spPr>
-          <a:xfrm>
-            <a:off x="9130282" y="1648414"/>
-            <a:ext cx="159492" cy="167134"/>
-          </a:xfrm>
-          <a:prstGeom prst="ellipse">
-            <a:avLst/>
-          </a:prstGeom>
-          <a:noFill/>
-          <a:ln>
-            <a:solidFill>
-              <a:srgbClr val="FF0000"/>
-            </a:solidFill>
-          </a:ln>
-        </p:spPr>
-        <p:style>
-          <a:lnRef idx="2">
-            <a:schemeClr val="accent1">
-              <a:shade val="50000"/>
-            </a:schemeClr>
-          </a:lnRef>
-          <a:fillRef idx="1">
-            <a:schemeClr val="accent1"/>
-          </a:fillRef>
-          <a:effectRef idx="0">
-            <a:schemeClr val="accent1"/>
-          </a:effectRef>
-          <a:fontRef idx="minor">
-            <a:schemeClr val="lt1"/>
-          </a:fontRef>
-        </p:style>
-        <p:txBody>
-          <a:bodyPr rtlCol="0" anchor="ctr"/>
-          <a:lstStyle/>
-          <a:p>
-            <a:pPr algn="ctr"/>
-            <a:endParaRPr lang="en-US"/>
-          </a:p>
-        </p:txBody>
-      </p:sp>
     </p:spTree>
     <p:extLst>
       <p:ext uri="{BB962C8B-B14F-4D97-AF65-F5344CB8AC3E}">
@@ -4632,7 +4585,11 @@
           <a:bodyPr/>
           <a:lstStyle/>
           <a:p>
-            <a:endParaRPr lang="en-US"/>
+            <a:r>
+              <a:rPr lang="lt-LT" dirty="0"/>
+              <a:t>Bug2 algoritmas</a:t>
+            </a:r>
+            <a:endParaRPr lang="en-US" dirty="0"/>
           </a:p>
         </p:txBody>
       </p:sp>
@@ -4652,15 +4609,62 @@
             <p:ph idx="1"/>
           </p:nvPr>
         </p:nvSpPr>
-        <p:spPr/>
+        <p:spPr>
+          <a:xfrm>
+            <a:off x="1371600" y="2286000"/>
+            <a:ext cx="6130940" cy="3581400"/>
+          </a:xfrm>
+        </p:spPr>
         <p:txBody>
           <a:bodyPr/>
           <a:lstStyle/>
           <a:p>
-            <a:endParaRPr lang="en-US"/>
-          </a:p>
-        </p:txBody>
-      </p:sp>
+            <a:pPr marL="0" indent="0">
+              <a:buNone/>
+            </a:pPr>
+            <a:r>
+              <a:rPr lang="lt-LT" dirty="0"/>
+              <a:t>SAMPLE TEXT</a:t>
+            </a:r>
+            <a:endParaRPr lang="en-US" dirty="0"/>
+          </a:p>
+        </p:txBody>
+      </p:sp>
+      <p:pic>
+        <p:nvPicPr>
+          <p:cNvPr id="4" name="Picture 3">
+            <a:extLst>
+              <a:ext uri="{FF2B5EF4-FFF2-40B4-BE49-F238E27FC236}">
+                <a16:creationId xmlns:a16="http://schemas.microsoft.com/office/drawing/2014/main" id="{16308AE2-07ED-47D5-8A4F-3411AF761B50}"/>
+              </a:ext>
+            </a:extLst>
+          </p:cNvPr>
+          <p:cNvPicPr>
+            <a:picLocks noChangeAspect="1"/>
+          </p:cNvPicPr>
+          <p:nvPr/>
+        </p:nvPicPr>
+        <p:blipFill>
+          <a:blip r:embed="rId2">
+            <a:extLst>
+              <a:ext uri="{28A0092B-C50C-407E-A947-70E740481C1C}">
+                <a14:useLocalDpi xmlns:a14="http://schemas.microsoft.com/office/drawing/2010/main" val="0"/>
+              </a:ext>
+            </a:extLst>
+          </a:blip>
+          <a:srcRect/>
+          <a:stretch/>
+        </p:blipFill>
+        <p:spPr>
+          <a:xfrm>
+            <a:off x="7865659" y="593873"/>
+            <a:ext cx="3865424" cy="5670254"/>
+          </a:xfrm>
+          <a:prstGeom prst="rect">
+            <a:avLst/>
+          </a:prstGeom>
+        </p:spPr>
+      </p:pic>
     </p:spTree>
     <p:extLst>
       <p:ext uri="{BB962C8B-B14F-4D97-AF65-F5344CB8AC3E}">

--- a/Pristatymas.pptx
+++ b/Pristatymas.pptx
@@ -287,7 +287,7 @@
           <a:p>
             <a:fld id="{1831D992-056E-4E26-8BD5-C03F2D2DE219}" type="datetimeFigureOut">
               <a:rPr lang="en-US" smtClean="0"/>
-              <a:t>2020-12-10</a:t>
+              <a:t>12/10/2020</a:t>
             </a:fld>
             <a:endParaRPr lang="en-US"/>
           </a:p>
@@ -617,7 +617,7 @@
           <a:p>
             <a:fld id="{1831D992-056E-4E26-8BD5-C03F2D2DE219}" type="datetimeFigureOut">
               <a:rPr lang="en-US" smtClean="0"/>
-              <a:t>2020-12-10</a:t>
+              <a:t>12/10/2020</a:t>
             </a:fld>
             <a:endParaRPr lang="en-US"/>
           </a:p>
@@ -797,7 +797,7 @@
           <a:p>
             <a:fld id="{1831D992-056E-4E26-8BD5-C03F2D2DE219}" type="datetimeFigureOut">
               <a:rPr lang="en-US" smtClean="0"/>
-              <a:t>2020-12-10</a:t>
+              <a:t>12/10/2020</a:t>
             </a:fld>
             <a:endParaRPr lang="en-US"/>
           </a:p>
@@ -967,7 +967,7 @@
           <a:p>
             <a:fld id="{1831D992-056E-4E26-8BD5-C03F2D2DE219}" type="datetimeFigureOut">
               <a:rPr lang="en-US" smtClean="0"/>
-              <a:t>2020-12-10</a:t>
+              <a:t>12/10/2020</a:t>
             </a:fld>
             <a:endParaRPr lang="en-US"/>
           </a:p>
@@ -1244,7 +1244,7 @@
           <a:p>
             <a:fld id="{1831D992-056E-4E26-8BD5-C03F2D2DE219}" type="datetimeFigureOut">
               <a:rPr lang="en-US" smtClean="0"/>
-              <a:t>2020-12-10</a:t>
+              <a:t>12/10/2020</a:t>
             </a:fld>
             <a:endParaRPr lang="en-US"/>
           </a:p>
@@ -1638,7 +1638,7 @@
           <a:p>
             <a:fld id="{1831D992-056E-4E26-8BD5-C03F2D2DE219}" type="datetimeFigureOut">
               <a:rPr lang="en-US" smtClean="0"/>
-              <a:t>2020-12-10</a:t>
+              <a:t>12/10/2020</a:t>
             </a:fld>
             <a:endParaRPr lang="en-US"/>
           </a:p>
@@ -2115,7 +2115,7 @@
           <a:p>
             <a:fld id="{1831D992-056E-4E26-8BD5-C03F2D2DE219}" type="datetimeFigureOut">
               <a:rPr lang="en-US" smtClean="0"/>
-              <a:t>2020-12-10</a:t>
+              <a:t>12/10/2020</a:t>
             </a:fld>
             <a:endParaRPr lang="en-US"/>
           </a:p>
@@ -2233,7 +2233,7 @@
           <a:p>
             <a:fld id="{1831D992-056E-4E26-8BD5-C03F2D2DE219}" type="datetimeFigureOut">
               <a:rPr lang="en-US" smtClean="0"/>
-              <a:t>2020-12-10</a:t>
+              <a:t>12/10/2020</a:t>
             </a:fld>
             <a:endParaRPr lang="en-US"/>
           </a:p>
@@ -2328,7 +2328,7 @@
           <a:p>
             <a:fld id="{1831D992-056E-4E26-8BD5-C03F2D2DE219}" type="datetimeFigureOut">
               <a:rPr lang="en-US" smtClean="0"/>
-              <a:t>2020-12-10</a:t>
+              <a:t>12/10/2020</a:t>
             </a:fld>
             <a:endParaRPr lang="en-US"/>
           </a:p>
@@ -2674,7 +2674,7 @@
           <a:p>
             <a:fld id="{1831D992-056E-4E26-8BD5-C03F2D2DE219}" type="datetimeFigureOut">
               <a:rPr lang="en-US" smtClean="0"/>
-              <a:t>2020-12-10</a:t>
+              <a:t>12/10/2020</a:t>
             </a:fld>
             <a:endParaRPr lang="en-US"/>
           </a:p>
@@ -3062,7 +3062,7 @@
           <a:p>
             <a:fld id="{1831D992-056E-4E26-8BD5-C03F2D2DE219}" type="datetimeFigureOut">
               <a:rPr lang="en-US" smtClean="0"/>
-              <a:t>2020-12-10</a:t>
+              <a:t>12/10/2020</a:t>
             </a:fld>
             <a:endParaRPr lang="en-US"/>
           </a:p>
@@ -3340,7 +3340,7 @@
           <a:p>
             <a:fld id="{1831D992-056E-4E26-8BD5-C03F2D2DE219}" type="datetimeFigureOut">
               <a:rPr lang="en-US" smtClean="0"/>
-              <a:t>2020-12-10</a:t>
+              <a:t>12/10/2020</a:t>
             </a:fld>
             <a:endParaRPr lang="en-US"/>
           </a:p>
@@ -4619,14 +4619,14 @@
           <a:bodyPr/>
           <a:lstStyle/>
           <a:p>
-            <a:pPr marL="0" indent="0">
+            <a:pPr marL="0" indent="0" algn="just">
               <a:buNone/>
             </a:pPr>
             <a:r>
-              <a:rPr lang="lt-LT" dirty="0"/>
-              <a:t>SAMPLE TEXT</a:t>
-            </a:r>
-            <a:endParaRPr lang="en-US" dirty="0"/>
+              <a:rPr lang="lt-LT" sz="2800" dirty="0"/>
+              <a:t>Robotas važiuoja tiesiai link tikslo pozicijos. Aptikęs kliūtį, ją apvažiuoja sukdamas į kairę ir važiuoja tol, kol priartėja prie tikslo linijos. Toliau vėl kartojamas algoritmas, kol pasiekiamas tikslas.</a:t>
+            </a:r>
+            <a:endParaRPr lang="en-US" sz="2800" dirty="0"/>
           </a:p>
         </p:txBody>
       </p:sp>

--- a/Pristatymas.pptx
+++ b/Pristatymas.pptx
@@ -11,7 +11,8 @@
     <p:sldId id="259" r:id="rId5"/>
     <p:sldId id="260" r:id="rId6"/>
     <p:sldId id="261" r:id="rId7"/>
-    <p:sldId id="262" r:id="rId8"/>
+    <p:sldId id="263" r:id="rId8"/>
+    <p:sldId id="262" r:id="rId9"/>
   </p:sldIdLst>
   <p:sldSz cx="12192000" cy="6858000"/>
   <p:notesSz cx="6858000" cy="9144000"/>
@@ -287,7 +288,7 @@
           <a:p>
             <a:fld id="{1831D992-056E-4E26-8BD5-C03F2D2DE219}" type="datetimeFigureOut">
               <a:rPr lang="en-US" smtClean="0"/>
-              <a:t>12/10/2020</a:t>
+              <a:t>2020-12-11</a:t>
             </a:fld>
             <a:endParaRPr lang="en-US"/>
           </a:p>
@@ -617,7 +618,7 @@
           <a:p>
             <a:fld id="{1831D992-056E-4E26-8BD5-C03F2D2DE219}" type="datetimeFigureOut">
               <a:rPr lang="en-US" smtClean="0"/>
-              <a:t>12/10/2020</a:t>
+              <a:t>2020-12-11</a:t>
             </a:fld>
             <a:endParaRPr lang="en-US"/>
           </a:p>
@@ -797,7 +798,7 @@
           <a:p>
             <a:fld id="{1831D992-056E-4E26-8BD5-C03F2D2DE219}" type="datetimeFigureOut">
               <a:rPr lang="en-US" smtClean="0"/>
-              <a:t>12/10/2020</a:t>
+              <a:t>2020-12-11</a:t>
             </a:fld>
             <a:endParaRPr lang="en-US"/>
           </a:p>
@@ -967,7 +968,7 @@
           <a:p>
             <a:fld id="{1831D992-056E-4E26-8BD5-C03F2D2DE219}" type="datetimeFigureOut">
               <a:rPr lang="en-US" smtClean="0"/>
-              <a:t>12/10/2020</a:t>
+              <a:t>2020-12-11</a:t>
             </a:fld>
             <a:endParaRPr lang="en-US"/>
           </a:p>
@@ -1244,7 +1245,7 @@
           <a:p>
             <a:fld id="{1831D992-056E-4E26-8BD5-C03F2D2DE219}" type="datetimeFigureOut">
               <a:rPr lang="en-US" smtClean="0"/>
-              <a:t>12/10/2020</a:t>
+              <a:t>2020-12-11</a:t>
             </a:fld>
             <a:endParaRPr lang="en-US"/>
           </a:p>
@@ -1638,7 +1639,7 @@
           <a:p>
             <a:fld id="{1831D992-056E-4E26-8BD5-C03F2D2DE219}" type="datetimeFigureOut">
               <a:rPr lang="en-US" smtClean="0"/>
-              <a:t>12/10/2020</a:t>
+              <a:t>2020-12-11</a:t>
             </a:fld>
             <a:endParaRPr lang="en-US"/>
           </a:p>
@@ -2115,7 +2116,7 @@
           <a:p>
             <a:fld id="{1831D992-056E-4E26-8BD5-C03F2D2DE219}" type="datetimeFigureOut">
               <a:rPr lang="en-US" smtClean="0"/>
-              <a:t>12/10/2020</a:t>
+              <a:t>2020-12-11</a:t>
             </a:fld>
             <a:endParaRPr lang="en-US"/>
           </a:p>
@@ -2233,7 +2234,7 @@
           <a:p>
             <a:fld id="{1831D992-056E-4E26-8BD5-C03F2D2DE219}" type="datetimeFigureOut">
               <a:rPr lang="en-US" smtClean="0"/>
-              <a:t>12/10/2020</a:t>
+              <a:t>2020-12-11</a:t>
             </a:fld>
             <a:endParaRPr lang="en-US"/>
           </a:p>
@@ -2328,7 +2329,7 @@
           <a:p>
             <a:fld id="{1831D992-056E-4E26-8BD5-C03F2D2DE219}" type="datetimeFigureOut">
               <a:rPr lang="en-US" smtClean="0"/>
-              <a:t>12/10/2020</a:t>
+              <a:t>2020-12-11</a:t>
             </a:fld>
             <a:endParaRPr lang="en-US"/>
           </a:p>
@@ -2674,7 +2675,7 @@
           <a:p>
             <a:fld id="{1831D992-056E-4E26-8BD5-C03F2D2DE219}" type="datetimeFigureOut">
               <a:rPr lang="en-US" smtClean="0"/>
-              <a:t>12/10/2020</a:t>
+              <a:t>2020-12-11</a:t>
             </a:fld>
             <a:endParaRPr lang="en-US"/>
           </a:p>
@@ -3062,7 +3063,7 @@
           <a:p>
             <a:fld id="{1831D992-056E-4E26-8BD5-C03F2D2DE219}" type="datetimeFigureOut">
               <a:rPr lang="en-US" smtClean="0"/>
-              <a:t>12/10/2020</a:t>
+              <a:t>2020-12-11</a:t>
             </a:fld>
             <a:endParaRPr lang="en-US"/>
           </a:p>
@@ -3340,7 +3341,7 @@
           <a:p>
             <a:fld id="{1831D992-056E-4E26-8BD5-C03F2D2DE219}" type="datetimeFigureOut">
               <a:rPr lang="en-US" smtClean="0"/>
-              <a:t>12/10/2020</a:t>
+              <a:t>2020-12-11</a:t>
             </a:fld>
             <a:endParaRPr lang="en-US"/>
           </a:p>
@@ -4056,15 +4057,20 @@
           </p:nvPr>
         </p:nvPicPr>
         <p:blipFill>
-          <a:blip r:embed="rId2"/>
-          <a:stretch>
-            <a:fillRect/>
-          </a:stretch>
+          <a:blip r:embed="rId2">
+            <a:extLst>
+              <a:ext uri="{28A0092B-C50C-407E-A947-70E740481C1C}">
+                <a14:useLocalDpi xmlns:a14="http://schemas.microsoft.com/office/drawing/2010/main" val="0"/>
+              </a:ext>
+            </a:extLst>
+          </a:blip>
+          <a:srcRect/>
+          <a:stretch/>
         </p:blipFill>
         <p:spPr>
           <a:xfrm>
-            <a:off x="8373979" y="580443"/>
-            <a:ext cx="3242079" cy="5996820"/>
+            <a:off x="8043903" y="787418"/>
+            <a:ext cx="3731785" cy="5283164"/>
           </a:xfrm>
         </p:spPr>
       </p:pic>
@@ -4083,7 +4089,7 @@
         <p:spPr>
           <a:xfrm>
             <a:off x="1371600" y="2377977"/>
-            <a:ext cx="6521116" cy="2308324"/>
+            <a:ext cx="6521116" cy="2677656"/>
           </a:xfrm>
           <a:prstGeom prst="rect">
             <a:avLst/>
@@ -4114,6 +4120,13 @@
             <a:r>
               <a:rPr lang="lt-LT" sz="2400" dirty="0"/>
               <a:t>Labirintą turi įveikti pagal dešinės rankos taisyklę.</a:t>
+            </a:r>
+          </a:p>
+          <a:p>
+            <a:pPr algn="just"/>
+            <a:r>
+              <a:rPr lang="lt-LT" sz="2400" dirty="0"/>
+              <a:t>Po labirinto, kliūtis turi įveikti Bug2 algoritmu.</a:t>
             </a:r>
             <a:endParaRPr lang="en-US" sz="2400" dirty="0"/>
           </a:p>
@@ -4679,6 +4692,155 @@
 </file>
 
 <file path=ppt/slides/slide7.xml><?xml version="1.0" encoding="utf-8"?>
+<p:sld xmlns:a="http://schemas.openxmlformats.org/drawingml/2006/main" xmlns:r="http://schemas.openxmlformats.org/officeDocument/2006/relationships" xmlns:p="http://schemas.openxmlformats.org/presentationml/2006/main">
+  <p:cSld>
+    <p:spTree>
+      <p:nvGrpSpPr>
+        <p:cNvPr id="1" name=""/>
+        <p:cNvGrpSpPr/>
+        <p:nvPr/>
+      </p:nvGrpSpPr>
+      <p:grpSpPr>
+        <a:xfrm>
+          <a:off x="0" y="0"/>
+          <a:ext cx="0" cy="0"/>
+          <a:chOff x="0" y="0"/>
+          <a:chExt cx="0" cy="0"/>
+        </a:xfrm>
+      </p:grpSpPr>
+      <p:sp>
+        <p:nvSpPr>
+          <p:cNvPr id="2" name="Title 1">
+            <a:extLst>
+              <a:ext uri="{FF2B5EF4-FFF2-40B4-BE49-F238E27FC236}">
+                <a16:creationId xmlns:a16="http://schemas.microsoft.com/office/drawing/2014/main" id="{603FB6E8-1A3A-46B1-B842-0A383DED63A8}"/>
+              </a:ext>
+            </a:extLst>
+          </p:cNvPr>
+          <p:cNvSpPr>
+            <a:spLocks noGrp="1"/>
+          </p:cNvSpPr>
+          <p:nvPr>
+            <p:ph type="title"/>
+          </p:nvPr>
+        </p:nvSpPr>
+        <p:spPr/>
+        <p:txBody>
+          <a:bodyPr/>
+          <a:lstStyle/>
+          <a:p>
+            <a:r>
+              <a:rPr lang="lt-LT" dirty="0"/>
+              <a:t>Išvados</a:t>
+            </a:r>
+          </a:p>
+        </p:txBody>
+      </p:sp>
+      <p:sp>
+        <p:nvSpPr>
+          <p:cNvPr id="3" name="Content Placeholder 2">
+            <a:extLst>
+              <a:ext uri="{FF2B5EF4-FFF2-40B4-BE49-F238E27FC236}">
+                <a16:creationId xmlns:a16="http://schemas.microsoft.com/office/drawing/2014/main" id="{B662E8D4-2FCD-4BEA-B675-AE105094ED1D}"/>
+              </a:ext>
+            </a:extLst>
+          </p:cNvPr>
+          <p:cNvSpPr>
+            <a:spLocks noGrp="1"/>
+          </p:cNvSpPr>
+          <p:nvPr>
+            <p:ph idx="1"/>
+          </p:nvPr>
+        </p:nvSpPr>
+        <p:spPr/>
+        <p:txBody>
+          <a:bodyPr/>
+          <a:lstStyle/>
+          <a:p>
+            <a:pPr marL="457200" indent="-457200">
+              <a:buAutoNum type="arabicPeriod"/>
+            </a:pPr>
+            <a:r>
+              <a:rPr lang="en-US" dirty="0"/>
+              <a:t>Ne visas </a:t>
+            </a:r>
+            <a:r>
+              <a:rPr lang="en-US" dirty="0" err="1"/>
+              <a:t>kliūtis</a:t>
+            </a:r>
+            <a:r>
+              <a:rPr lang="en-US" dirty="0"/>
+              <a:t> </a:t>
+            </a:r>
+            <a:r>
+              <a:rPr lang="en-US" dirty="0" err="1"/>
+              <a:t>galima</a:t>
+            </a:r>
+            <a:r>
+              <a:rPr lang="en-US" dirty="0"/>
+              <a:t> </a:t>
+            </a:r>
+            <a:r>
+              <a:rPr lang="en-US" dirty="0" err="1"/>
+              <a:t>apvažiuoti</a:t>
+            </a:r>
+            <a:r>
+              <a:rPr lang="en-US" dirty="0"/>
+              <a:t> </a:t>
+            </a:r>
+            <a:r>
+              <a:rPr lang="en-US" dirty="0" err="1"/>
+              <a:t>naudojant</a:t>
+            </a:r>
+            <a:r>
+              <a:rPr lang="en-US" dirty="0"/>
+              <a:t> bug0 </a:t>
+            </a:r>
+            <a:r>
+              <a:rPr lang="lt-LT" dirty="0"/>
+              <a:t>algoritmą</a:t>
+            </a:r>
+            <a:r>
+              <a:rPr lang="en-US" dirty="0"/>
+              <a:t>.</a:t>
+            </a:r>
+            <a:endParaRPr lang="lt-LT" dirty="0"/>
+          </a:p>
+          <a:p>
+            <a:pPr marL="457200" indent="-457200">
+              <a:buAutoNum type="arabicPeriod"/>
+            </a:pPr>
+            <a:r>
+              <a:rPr lang="lt-LT" dirty="0"/>
+              <a:t>Ne visus labirintus galima įveikti pagal dešinės rankos taisyklę. </a:t>
+            </a:r>
+          </a:p>
+          <a:p>
+            <a:pPr marL="457200" indent="-457200">
+              <a:buFont typeface="Franklin Gothic Book" panose="020B0503020102020204" pitchFamily="34" charset="0"/>
+              <a:buAutoNum type="arabicPeriod"/>
+            </a:pPr>
+            <a:r>
+              <a:rPr lang="lt-LT" dirty="0"/>
+              <a:t>Testuojant ant didesnio simuliacijos greičio buvo gaunami grubūs įverčiai, dėl ko buvo manoma, kad algoritmas veikia netinkamai.</a:t>
+            </a:r>
+          </a:p>
+        </p:txBody>
+      </p:sp>
+    </p:spTree>
+    <p:extLst>
+      <p:ext uri="{BB962C8B-B14F-4D97-AF65-F5344CB8AC3E}">
+        <p14:creationId xmlns:p14="http://schemas.microsoft.com/office/powerpoint/2010/main" val="3588815687"/>
+      </p:ext>
+    </p:extLst>
+  </p:cSld>
+  <p:clrMapOvr>
+    <a:masterClrMapping/>
+  </p:clrMapOvr>
+</p:sld>
+</file>
+
+<file path=ppt/slides/slide8.xml><?xml version="1.0" encoding="utf-8"?>
 <p:sld xmlns:a="http://schemas.openxmlformats.org/drawingml/2006/main" xmlns:r="http://schemas.openxmlformats.org/officeDocument/2006/relationships" xmlns:p="http://schemas.openxmlformats.org/presentationml/2006/main">
   <p:cSld>
     <p:spTree>
